--- a/코드리뷰9_yuna.pptx
+++ b/코드리뷰9_yuna.pptx
@@ -244,7 +244,7 @@
           <a:p>
             <a:fld id="{D92FA0C3-903F-4DD4-9420-CFFA3F5C6C77}" type="datetimeFigureOut">
               <a:rPr lang="ko-KR" altLang="en-US" smtClean="0"/>
-              <a:t>2023-01-05</a:t>
+              <a:t>2023-01-06</a:t>
             </a:fld>
             <a:endParaRPr lang="ko-KR" altLang="en-US"/>
           </a:p>
@@ -414,7 +414,7 @@
           <a:p>
             <a:fld id="{D92FA0C3-903F-4DD4-9420-CFFA3F5C6C77}" type="datetimeFigureOut">
               <a:rPr lang="ko-KR" altLang="en-US" smtClean="0"/>
-              <a:t>2023-01-05</a:t>
+              <a:t>2023-01-06</a:t>
             </a:fld>
             <a:endParaRPr lang="ko-KR" altLang="en-US"/>
           </a:p>
@@ -594,7 +594,7 @@
           <a:p>
             <a:fld id="{D92FA0C3-903F-4DD4-9420-CFFA3F5C6C77}" type="datetimeFigureOut">
               <a:rPr lang="ko-KR" altLang="en-US" smtClean="0"/>
-              <a:t>2023-01-05</a:t>
+              <a:t>2023-01-06</a:t>
             </a:fld>
             <a:endParaRPr lang="ko-KR" altLang="en-US"/>
           </a:p>
@@ -764,7 +764,7 @@
           <a:p>
             <a:fld id="{D92FA0C3-903F-4DD4-9420-CFFA3F5C6C77}" type="datetimeFigureOut">
               <a:rPr lang="ko-KR" altLang="en-US" smtClean="0"/>
-              <a:t>2023-01-05</a:t>
+              <a:t>2023-01-06</a:t>
             </a:fld>
             <a:endParaRPr lang="ko-KR" altLang="en-US"/>
           </a:p>
@@ -1010,7 +1010,7 @@
           <a:p>
             <a:fld id="{D92FA0C3-903F-4DD4-9420-CFFA3F5C6C77}" type="datetimeFigureOut">
               <a:rPr lang="ko-KR" altLang="en-US" smtClean="0"/>
-              <a:t>2023-01-05</a:t>
+              <a:t>2023-01-06</a:t>
             </a:fld>
             <a:endParaRPr lang="ko-KR" altLang="en-US"/>
           </a:p>
@@ -1242,7 +1242,7 @@
           <a:p>
             <a:fld id="{D92FA0C3-903F-4DD4-9420-CFFA3F5C6C77}" type="datetimeFigureOut">
               <a:rPr lang="ko-KR" altLang="en-US" smtClean="0"/>
-              <a:t>2023-01-05</a:t>
+              <a:t>2023-01-06</a:t>
             </a:fld>
             <a:endParaRPr lang="ko-KR" altLang="en-US"/>
           </a:p>
@@ -1609,7 +1609,7 @@
           <a:p>
             <a:fld id="{D92FA0C3-903F-4DD4-9420-CFFA3F5C6C77}" type="datetimeFigureOut">
               <a:rPr lang="ko-KR" altLang="en-US" smtClean="0"/>
-              <a:t>2023-01-05</a:t>
+              <a:t>2023-01-06</a:t>
             </a:fld>
             <a:endParaRPr lang="ko-KR" altLang="en-US"/>
           </a:p>
@@ -1727,7 +1727,7 @@
           <a:p>
             <a:fld id="{D92FA0C3-903F-4DD4-9420-CFFA3F5C6C77}" type="datetimeFigureOut">
               <a:rPr lang="ko-KR" altLang="en-US" smtClean="0"/>
-              <a:t>2023-01-05</a:t>
+              <a:t>2023-01-06</a:t>
             </a:fld>
             <a:endParaRPr lang="ko-KR" altLang="en-US"/>
           </a:p>
@@ -1822,7 +1822,7 @@
           <a:p>
             <a:fld id="{D92FA0C3-903F-4DD4-9420-CFFA3F5C6C77}" type="datetimeFigureOut">
               <a:rPr lang="ko-KR" altLang="en-US" smtClean="0"/>
-              <a:t>2023-01-05</a:t>
+              <a:t>2023-01-06</a:t>
             </a:fld>
             <a:endParaRPr lang="ko-KR" altLang="en-US"/>
           </a:p>
@@ -2099,7 +2099,7 @@
           <a:p>
             <a:fld id="{D92FA0C3-903F-4DD4-9420-CFFA3F5C6C77}" type="datetimeFigureOut">
               <a:rPr lang="ko-KR" altLang="en-US" smtClean="0"/>
-              <a:t>2023-01-05</a:t>
+              <a:t>2023-01-06</a:t>
             </a:fld>
             <a:endParaRPr lang="ko-KR" altLang="en-US"/>
           </a:p>
@@ -2352,7 +2352,7 @@
           <a:p>
             <a:fld id="{D92FA0C3-903F-4DD4-9420-CFFA3F5C6C77}" type="datetimeFigureOut">
               <a:rPr lang="ko-KR" altLang="en-US" smtClean="0"/>
-              <a:t>2023-01-05</a:t>
+              <a:t>2023-01-06</a:t>
             </a:fld>
             <a:endParaRPr lang="ko-KR" altLang="en-US"/>
           </a:p>
@@ -2565,7 +2565,7 @@
           <a:p>
             <a:fld id="{D92FA0C3-903F-4DD4-9420-CFFA3F5C6C77}" type="datetimeFigureOut">
               <a:rPr lang="ko-KR" altLang="en-US" smtClean="0"/>
-              <a:t>2023-01-05</a:t>
+              <a:t>2023-01-06</a:t>
             </a:fld>
             <a:endParaRPr lang="ko-KR" altLang="en-US"/>
           </a:p>
@@ -3068,100 +3068,84 @@
           <a:p>
             <a:pPr algn="ctr"/>
             <a:r>
-              <a:rPr lang="en-US" altLang="ko-KR" b="1" dirty="0" smtClean="0">
-                <a:ln w="0"/>
-                <a:solidFill>
-                  <a:schemeClr val="tx1"/>
-                </a:solidFill>
-                <a:effectLst>
-                  <a:outerShdw blurRad="38100" dist="19050" dir="2700000" algn="tl" rotWithShape="0">
-                    <a:schemeClr val="dk1">
-                      <a:alpha val="40000"/>
-                    </a:schemeClr>
-                  </a:outerShdw>
-                </a:effectLst>
-              </a:rPr>
-              <a:t>Mission07) </a:t>
-            </a:r>
-            <a:r>
-              <a:rPr lang="ko-KR" altLang="en-US" b="1" dirty="0">
-                <a:ln w="0"/>
-                <a:solidFill>
-                  <a:schemeClr val="tx1"/>
-                </a:solidFill>
-                <a:effectLst>
-                  <a:outerShdw blurRad="38100" dist="19050" dir="2700000" algn="tl" rotWithShape="0">
-                    <a:schemeClr val="dk1">
-                      <a:alpha val="40000"/>
-                    </a:schemeClr>
-                  </a:outerShdw>
-                </a:effectLst>
-              </a:rPr>
-              <a:t>자주 묻는 질문과 답변 </a:t>
-            </a:r>
-            <a:r>
-              <a:rPr lang="ko-KR" altLang="en-US" b="1" dirty="0" err="1">
-                <a:ln w="0"/>
-                <a:solidFill>
-                  <a:schemeClr val="tx1"/>
-                </a:solidFill>
-                <a:effectLst>
-                  <a:outerShdw blurRad="38100" dist="19050" dir="2700000" algn="tl" rotWithShape="0">
-                    <a:schemeClr val="dk1">
-                      <a:alpha val="40000"/>
-                    </a:schemeClr>
-                  </a:outerShdw>
-                </a:effectLst>
-              </a:rPr>
-              <a:t>반응형</a:t>
-            </a:r>
-            <a:r>
-              <a:rPr lang="ko-KR" altLang="en-US" b="1" dirty="0">
-                <a:ln w="0"/>
-                <a:solidFill>
-                  <a:schemeClr val="tx1"/>
-                </a:solidFill>
-                <a:effectLst>
-                  <a:outerShdw blurRad="38100" dist="19050" dir="2700000" algn="tl" rotWithShape="0">
-                    <a:schemeClr val="dk1">
-                      <a:alpha val="40000"/>
-                    </a:schemeClr>
-                  </a:outerShdw>
-                </a:effectLst>
-              </a:rPr>
-              <a:t> 웹 페이지 제작 </a:t>
-            </a:r>
-            <a:r>
-              <a:rPr lang="en-US" altLang="ko-KR" b="1" dirty="0">
-                <a:ln w="0"/>
-                <a:solidFill>
-                  <a:schemeClr val="tx1"/>
-                </a:solidFill>
-                <a:effectLst>
-                  <a:outerShdw blurRad="38100" dist="19050" dir="2700000" algn="tl" rotWithShape="0">
-                    <a:schemeClr val="dk1">
-                      <a:alpha val="40000"/>
-                    </a:schemeClr>
-                  </a:outerShdw>
-                </a:effectLst>
-              </a:rPr>
-              <a:t>with </a:t>
-            </a:r>
-            <a:r>
-              <a:rPr lang="en-US" altLang="ko-KR" b="1" dirty="0" err="1">
-                <a:ln w="0"/>
-                <a:solidFill>
-                  <a:schemeClr val="tx1"/>
-                </a:solidFill>
-                <a:effectLst>
-                  <a:outerShdw blurRad="38100" dist="19050" dir="2700000" algn="tl" rotWithShape="0">
-                    <a:schemeClr val="dk1">
-                      <a:alpha val="40000"/>
-                    </a:schemeClr>
-                  </a:outerShdw>
-                </a:effectLst>
-              </a:rPr>
-              <a:t>Git_Github</a:t>
+              <a:rPr lang="en-US" altLang="ko-KR" b="1" smtClean="0">
+                <a:ln w="0"/>
+                <a:solidFill>
+                  <a:schemeClr val="tx1"/>
+                </a:solidFill>
+                <a:effectLst>
+                  <a:outerShdw blurRad="38100" dist="19050" dir="2700000" algn="tl" rotWithShape="0">
+                    <a:schemeClr val="dk1">
+                      <a:alpha val="40000"/>
+                    </a:schemeClr>
+                  </a:outerShdw>
+                </a:effectLst>
+              </a:rPr>
+              <a:t>Mission09) </a:t>
+            </a:r>
+            <a:r>
+              <a:rPr lang="ko-KR" altLang="en-US" b="1">
+                <a:ln w="0"/>
+                <a:solidFill>
+                  <a:schemeClr val="tx1"/>
+                </a:solidFill>
+                <a:effectLst>
+                  <a:outerShdw blurRad="38100" dist="19050" dir="2700000" algn="tl" rotWithShape="0">
+                    <a:schemeClr val="dk1">
+                      <a:alpha val="40000"/>
+                    </a:schemeClr>
+                  </a:outerShdw>
+                </a:effectLst>
+              </a:rPr>
+              <a:t>반응형 웹 메인 페이지 제작</a:t>
+            </a:r>
+            <a:r>
+              <a:rPr lang="en-US" altLang="ko-KR" b="1">
+                <a:ln w="0"/>
+                <a:solidFill>
+                  <a:schemeClr val="tx1"/>
+                </a:solidFill>
+                <a:effectLst>
+                  <a:outerShdw blurRad="38100" dist="19050" dir="2700000" algn="tl" rotWithShape="0">
+                    <a:schemeClr val="dk1">
+                      <a:alpha val="40000"/>
+                    </a:schemeClr>
+                  </a:outerShdw>
+                </a:effectLst>
+              </a:rPr>
+              <a:t>_with </a:t>
+            </a:r>
+            <a:r>
+              <a:rPr lang="en-US" altLang="ko-KR" b="1">
+                <a:ln w="0"/>
+                <a:solidFill>
+                  <a:schemeClr val="tx1"/>
+                </a:solidFill>
+                <a:effectLst>
+                  <a:outerShdw blurRad="38100" dist="19050" dir="2700000" algn="tl" rotWithShape="0">
+                    <a:schemeClr val="dk1">
+                      <a:alpha val="40000"/>
+                    </a:schemeClr>
+                  </a:outerShdw>
+                </a:effectLst>
+              </a:rPr>
+              <a:t>Chatbot </a:t>
+            </a:r>
+            <a:r>
+              <a:rPr lang="en-US" altLang="ko-KR" b="1" smtClean="0">
+                <a:ln w="0"/>
+                <a:solidFill>
+                  <a:schemeClr val="tx1"/>
+                </a:solidFill>
+                <a:effectLst>
+                  <a:outerShdw blurRad="38100" dist="19050" dir="2700000" algn="tl" rotWithShape="0">
+                    <a:schemeClr val="dk1">
+                      <a:alpha val="40000"/>
+                    </a:schemeClr>
+                  </a:outerShdw>
+                </a:effectLst>
+              </a:rPr>
+              <a:t>API_Github_Upload</a:t>
             </a:r>
             <a:endParaRPr lang="ko-KR" altLang="en-US" b="1" dirty="0">
               <a:ln w="0"/>
@@ -3255,23 +3239,7 @@
                   </a:outerShdw>
                 </a:effectLst>
               </a:rPr>
-              <a:t>: </a:t>
-            </a:r>
-            <a:r>
-              <a:rPr lang="en-US" altLang="ko-KR" sz="2400" b="1" dirty="0" smtClean="0">
-                <a:ln w="0"/>
-                <a:solidFill>
-                  <a:schemeClr val="tx1"/>
-                </a:solidFill>
-                <a:effectLst>
-                  <a:outerShdw blurRad="38100" dist="19050" dir="2700000" algn="tl" rotWithShape="0">
-                    <a:schemeClr val="dk1">
-                      <a:alpha val="40000"/>
-                    </a:schemeClr>
-                  </a:outerShdw>
-                </a:effectLst>
-              </a:rPr>
-              <a:t>owl-carousel</a:t>
+              <a:t>: owl-carousel</a:t>
             </a:r>
             <a:endParaRPr lang="ko-KR" altLang="en-US" sz="2400" b="1" dirty="0">
               <a:ln w="0"/>
@@ -3813,23 +3781,7 @@
                   </a:outerShdw>
                 </a:effectLst>
               </a:rPr>
-              <a:t>O</a:t>
-            </a:r>
-            <a:r>
-              <a:rPr lang="en-US" altLang="ko-KR" b="1" dirty="0" smtClean="0">
-                <a:ln w="0"/>
-                <a:solidFill>
-                  <a:schemeClr val="tx1"/>
-                </a:solidFill>
-                <a:effectLst>
-                  <a:outerShdw blurRad="38100" dist="19050" dir="2700000" algn="tl" rotWithShape="0">
-                    <a:schemeClr val="dk1">
-                      <a:alpha val="40000"/>
-                    </a:schemeClr>
-                  </a:outerShdw>
-                </a:effectLst>
-              </a:rPr>
-              <a:t>wl-carousel </a:t>
+              <a:t>Owl-carousel </a:t>
             </a:r>
             <a:r>
               <a:rPr lang="ko-KR" altLang="en-US" b="1" dirty="0" smtClean="0">
@@ -4085,23 +4037,7 @@
                   </a:outerShdw>
                 </a:effectLst>
               </a:rPr>
-              <a:t>. </a:t>
-            </a:r>
-            <a:r>
-              <a:rPr lang="en-US" altLang="ko-KR" sz="1400" b="1" dirty="0" smtClean="0">
-                <a:ln w="0"/>
-                <a:solidFill>
-                  <a:schemeClr val="tx1"/>
-                </a:solidFill>
-                <a:effectLst>
-                  <a:outerShdw blurRad="38100" dist="19050" dir="2700000" algn="tl" rotWithShape="0">
-                    <a:schemeClr val="dk1">
-                      <a:alpha val="40000"/>
-                    </a:schemeClr>
-                  </a:outerShdw>
-                </a:effectLst>
-              </a:rPr>
-              <a:t>Loop </a:t>
+              <a:t>. Loop </a:t>
             </a:r>
             <a:r>
               <a:rPr lang="ko-KR" altLang="en-US" sz="1400" b="1" dirty="0" smtClean="0">
